--- a/library.pptx
+++ b/library.pptx
@@ -7,8 +7,9 @@
   <p:sldIdLst>
     <p:sldId id="256" r:id="rId2"/>
     <p:sldId id="260" r:id="rId3"/>
-    <p:sldId id="258" r:id="rId4"/>
-    <p:sldId id="259" r:id="rId5"/>
+    <p:sldId id="261" r:id="rId4"/>
+    <p:sldId id="258" r:id="rId5"/>
+    <p:sldId id="259" r:id="rId6"/>
   </p:sldIdLst>
   <p:sldSz cx="12192000" cy="6858000"/>
   <p:notesSz cx="6858000" cy="9144000"/>
@@ -3587,6 +3588,150 @@
           <p:cNvPr id="2" name="標題 1">
             <a:extLst>
               <a:ext uri="{FF2B5EF4-FFF2-40B4-BE49-F238E27FC236}">
+                <a16:creationId xmlns:a16="http://schemas.microsoft.com/office/drawing/2014/main" id="{5AD71D1C-117F-4D2F-AB11-77E1B537EEA3}"/>
+              </a:ext>
+            </a:extLst>
+          </p:cNvPr>
+          <p:cNvSpPr>
+            <a:spLocks noGrp="1"/>
+          </p:cNvSpPr>
+          <p:nvPr>
+            <p:ph type="title"/>
+          </p:nvPr>
+        </p:nvSpPr>
+        <p:spPr/>
+        <p:txBody>
+          <a:bodyPr>
+            <a:normAutofit/>
+          </a:bodyPr>
+          <a:lstStyle/>
+          <a:p>
+            <a:r>
+              <a:rPr lang="en-US" altLang="zh-TW" dirty="0" err="1"/>
+              <a:t>My_Dataset</a:t>
+            </a:r>
+            <a:r>
+              <a:rPr lang="en-US" altLang="zh-TW" dirty="0"/>
+              <a:t>(folder, transform=None)</a:t>
+            </a:r>
+            <a:endParaRPr lang="zh-TW" altLang="en-US" dirty="0"/>
+          </a:p>
+        </p:txBody>
+      </p:sp>
+      <p:sp>
+        <p:nvSpPr>
+          <p:cNvPr id="3" name="內容版面配置區 2">
+            <a:extLst>
+              <a:ext uri="{FF2B5EF4-FFF2-40B4-BE49-F238E27FC236}">
+                <a16:creationId xmlns:a16="http://schemas.microsoft.com/office/drawing/2014/main" id="{59A252EE-DAC4-408A-832B-4C34C7345FBD}"/>
+              </a:ext>
+            </a:extLst>
+          </p:cNvPr>
+          <p:cNvSpPr>
+            <a:spLocks noGrp="1"/>
+          </p:cNvSpPr>
+          <p:nvPr>
+            <p:ph idx="1"/>
+          </p:nvPr>
+        </p:nvSpPr>
+        <p:spPr/>
+        <p:txBody>
+          <a:bodyPr>
+            <a:normAutofit/>
+          </a:bodyPr>
+          <a:lstStyle/>
+          <a:p>
+            <a:r>
+              <a:rPr lang="en-US" altLang="zh-TW" dirty="0"/>
+              <a:t>Folder:</a:t>
+            </a:r>
+            <a:r>
+              <a:rPr lang="zh-TW" altLang="en-US" dirty="0"/>
+              <a:t> </a:t>
+            </a:r>
+            <a:r>
+              <a:rPr lang="en-US" altLang="zh-TW" dirty="0"/>
+              <a:t>the directory of your data</a:t>
+            </a:r>
+          </a:p>
+          <a:p>
+            <a:r>
+              <a:rPr lang="en-US" altLang="zh-TW" dirty="0"/>
+              <a:t>Transform: data preprocess</a:t>
+            </a:r>
+          </a:p>
+          <a:p>
+            <a:r>
+              <a:rPr lang="en-US" altLang="zh-TW" dirty="0"/>
+              <a:t>Description:</a:t>
+            </a:r>
+          </a:p>
+          <a:p>
+            <a:pPr marL="269875" indent="0">
+              <a:buNone/>
+            </a:pPr>
+            <a:r>
+              <a:rPr lang="en-US" altLang="zh-TW" dirty="0"/>
+              <a:t>This will catch recursively all the image files in the Folder</a:t>
+            </a:r>
+            <a:r>
+              <a:rPr lang="zh-TW" altLang="en-US" dirty="0"/>
+              <a:t> </a:t>
+            </a:r>
+            <a:r>
+              <a:rPr lang="en-US" altLang="zh-TW" dirty="0"/>
+              <a:t>even though there are 2 or more difference suffix of image file.</a:t>
+            </a:r>
+          </a:p>
+          <a:p>
+            <a:pPr marL="269875" indent="0">
+              <a:buNone/>
+            </a:pPr>
+            <a:endParaRPr lang="en-US" altLang="zh-TW" dirty="0"/>
+          </a:p>
+          <a:p>
+            <a:pPr marL="0" indent="0">
+              <a:buNone/>
+            </a:pPr>
+            <a:endParaRPr lang="zh-TW" altLang="en-US" dirty="0"/>
+          </a:p>
+        </p:txBody>
+      </p:sp>
+    </p:spTree>
+    <p:extLst>
+      <p:ext uri="{BB962C8B-B14F-4D97-AF65-F5344CB8AC3E}">
+        <p14:creationId xmlns:p14="http://schemas.microsoft.com/office/powerpoint/2010/main" val="4079430105"/>
+      </p:ext>
+    </p:extLst>
+  </p:cSld>
+  <p:clrMapOvr>
+    <a:masterClrMapping/>
+  </p:clrMapOvr>
+</p:sld>
+</file>
+
+<file path=ppt/slides/slide4.xml><?xml version="1.0" encoding="utf-8"?>
+<p:sld xmlns:a="http://schemas.openxmlformats.org/drawingml/2006/main" xmlns:r="http://schemas.openxmlformats.org/officeDocument/2006/relationships" xmlns:p="http://schemas.openxmlformats.org/presentationml/2006/main">
+  <p:cSld>
+    <p:spTree>
+      <p:nvGrpSpPr>
+        <p:cNvPr id="1" name=""/>
+        <p:cNvGrpSpPr/>
+        <p:nvPr/>
+      </p:nvGrpSpPr>
+      <p:grpSpPr>
+        <a:xfrm>
+          <a:off x="0" y="0"/>
+          <a:ext cx="0" cy="0"/>
+          <a:chOff x="0" y="0"/>
+          <a:chExt cx="0" cy="0"/>
+        </a:xfrm>
+      </p:grpSpPr>
+      <p:sp>
+        <p:nvSpPr>
+          <p:cNvPr id="2" name="標題 1">
+            <a:extLst>
+              <a:ext uri="{FF2B5EF4-FFF2-40B4-BE49-F238E27FC236}">
                 <a16:creationId xmlns:a16="http://schemas.microsoft.com/office/drawing/2014/main" id="{8753510B-702E-4AC2-B226-F206F70C1B7D}"/>
               </a:ext>
             </a:extLst>
@@ -3676,7 +3821,7 @@
 </p:sld>
 </file>
 
-<file path=ppt/slides/slide4.xml><?xml version="1.0" encoding="utf-8"?>
+<file path=ppt/slides/slide5.xml><?xml version="1.0" encoding="utf-8"?>
 <p:sld xmlns:a="http://schemas.openxmlformats.org/drawingml/2006/main" xmlns:r="http://schemas.openxmlformats.org/officeDocument/2006/relationships" xmlns:p="http://schemas.openxmlformats.org/presentationml/2006/main">
   <p:cSld>
     <p:spTree>

--- a/library.pptx
+++ b/library.pptx
@@ -7,9 +7,11 @@
   <p:sldIdLst>
     <p:sldId id="256" r:id="rId2"/>
     <p:sldId id="260" r:id="rId3"/>
-    <p:sldId id="261" r:id="rId4"/>
-    <p:sldId id="258" r:id="rId5"/>
-    <p:sldId id="259" r:id="rId6"/>
+    <p:sldId id="263" r:id="rId4"/>
+    <p:sldId id="261" r:id="rId5"/>
+    <p:sldId id="258" r:id="rId6"/>
+    <p:sldId id="259" r:id="rId7"/>
+    <p:sldId id="264" r:id="rId8"/>
   </p:sldIdLst>
   <p:sldSz cx="12192000" cy="6858000"/>
   <p:notesSz cx="6858000" cy="9144000"/>
@@ -271,7 +273,7 @@
           <a:p>
             <a:fld id="{50A51190-1A2C-4F4F-8D4F-D3B6FC254539}" type="datetimeFigureOut">
               <a:rPr lang="zh-TW" altLang="en-US" smtClean="0"/>
-              <a:t>2021/9/2</a:t>
+              <a:t>2021/9/21</a:t>
             </a:fld>
             <a:endParaRPr lang="zh-TW" altLang="en-US"/>
           </a:p>
@@ -469,7 +471,7 @@
           <a:p>
             <a:fld id="{50A51190-1A2C-4F4F-8D4F-D3B6FC254539}" type="datetimeFigureOut">
               <a:rPr lang="zh-TW" altLang="en-US" smtClean="0"/>
-              <a:t>2021/9/2</a:t>
+              <a:t>2021/9/21</a:t>
             </a:fld>
             <a:endParaRPr lang="zh-TW" altLang="en-US"/>
           </a:p>
@@ -677,7 +679,7 @@
           <a:p>
             <a:fld id="{50A51190-1A2C-4F4F-8D4F-D3B6FC254539}" type="datetimeFigureOut">
               <a:rPr lang="zh-TW" altLang="en-US" smtClean="0"/>
-              <a:t>2021/9/2</a:t>
+              <a:t>2021/9/21</a:t>
             </a:fld>
             <a:endParaRPr lang="zh-TW" altLang="en-US"/>
           </a:p>
@@ -907,7 +909,7 @@
           <a:p>
             <a:fld id="{50A51190-1A2C-4F4F-8D4F-D3B6FC254539}" type="datetimeFigureOut">
               <a:rPr lang="zh-TW" altLang="en-US" smtClean="0"/>
-              <a:t>2021/9/2</a:t>
+              <a:t>2021/9/21</a:t>
             </a:fld>
             <a:endParaRPr lang="zh-TW" altLang="en-US"/>
           </a:p>
@@ -1182,7 +1184,7 @@
           <a:p>
             <a:fld id="{50A51190-1A2C-4F4F-8D4F-D3B6FC254539}" type="datetimeFigureOut">
               <a:rPr lang="zh-TW" altLang="en-US" smtClean="0"/>
-              <a:t>2021/9/2</a:t>
+              <a:t>2021/9/21</a:t>
             </a:fld>
             <a:endParaRPr lang="zh-TW" altLang="en-US"/>
           </a:p>
@@ -1447,7 +1449,7 @@
           <a:p>
             <a:fld id="{50A51190-1A2C-4F4F-8D4F-D3B6FC254539}" type="datetimeFigureOut">
               <a:rPr lang="zh-TW" altLang="en-US" smtClean="0"/>
-              <a:t>2021/9/2</a:t>
+              <a:t>2021/9/21</a:t>
             </a:fld>
             <a:endParaRPr lang="zh-TW" altLang="en-US"/>
           </a:p>
@@ -1859,7 +1861,7 @@
           <a:p>
             <a:fld id="{50A51190-1A2C-4F4F-8D4F-D3B6FC254539}" type="datetimeFigureOut">
               <a:rPr lang="zh-TW" altLang="en-US" smtClean="0"/>
-              <a:t>2021/9/2</a:t>
+              <a:t>2021/9/21</a:t>
             </a:fld>
             <a:endParaRPr lang="zh-TW" altLang="en-US"/>
           </a:p>
@@ -2000,7 +2002,7 @@
           <a:p>
             <a:fld id="{50A51190-1A2C-4F4F-8D4F-D3B6FC254539}" type="datetimeFigureOut">
               <a:rPr lang="zh-TW" altLang="en-US" smtClean="0"/>
-              <a:t>2021/9/2</a:t>
+              <a:t>2021/9/21</a:t>
             </a:fld>
             <a:endParaRPr lang="zh-TW" altLang="en-US"/>
           </a:p>
@@ -2113,7 +2115,7 @@
           <a:p>
             <a:fld id="{50A51190-1A2C-4F4F-8D4F-D3B6FC254539}" type="datetimeFigureOut">
               <a:rPr lang="zh-TW" altLang="en-US" smtClean="0"/>
-              <a:t>2021/9/2</a:t>
+              <a:t>2021/9/21</a:t>
             </a:fld>
             <a:endParaRPr lang="zh-TW" altLang="en-US"/>
           </a:p>
@@ -2424,7 +2426,7 @@
           <a:p>
             <a:fld id="{50A51190-1A2C-4F4F-8D4F-D3B6FC254539}" type="datetimeFigureOut">
               <a:rPr lang="zh-TW" altLang="en-US" smtClean="0"/>
-              <a:t>2021/9/2</a:t>
+              <a:t>2021/9/21</a:t>
             </a:fld>
             <a:endParaRPr lang="zh-TW" altLang="en-US"/>
           </a:p>
@@ -2712,7 +2714,7 @@
           <a:p>
             <a:fld id="{50A51190-1A2C-4F4F-8D4F-D3B6FC254539}" type="datetimeFigureOut">
               <a:rPr lang="zh-TW" altLang="en-US" smtClean="0"/>
-              <a:t>2021/9/2</a:t>
+              <a:t>2021/9/21</a:t>
             </a:fld>
             <a:endParaRPr lang="zh-TW" altLang="en-US"/>
           </a:p>
@@ -2953,7 +2955,7 @@
           <a:p>
             <a:fld id="{50A51190-1A2C-4F4F-8D4F-D3B6FC254539}" type="datetimeFigureOut">
               <a:rPr lang="zh-TW" altLang="en-US" smtClean="0"/>
-              <a:t>2021/9/2</a:t>
+              <a:t>2021/9/21</a:t>
             </a:fld>
             <a:endParaRPr lang="zh-TW" altLang="en-US"/>
           </a:p>
@@ -3588,7 +3590,7 @@
           <p:cNvPr id="2" name="標題 1">
             <a:extLst>
               <a:ext uri="{FF2B5EF4-FFF2-40B4-BE49-F238E27FC236}">
-                <a16:creationId xmlns:a16="http://schemas.microsoft.com/office/drawing/2014/main" id="{5AD71D1C-117F-4D2F-AB11-77E1B537EEA3}"/>
+                <a16:creationId xmlns:a16="http://schemas.microsoft.com/office/drawing/2014/main" id="{65DA2FCC-2656-4A40-8531-A48BA86DB3C1}"/>
               </a:ext>
             </a:extLst>
           </p:cNvPr>
@@ -3601,98 +3603,45 @@
         </p:nvSpPr>
         <p:spPr/>
         <p:txBody>
-          <a:bodyPr>
-            <a:normAutofit/>
-          </a:bodyPr>
+          <a:bodyPr/>
+          <a:lstStyle/>
+          <a:p>
+            <a:r>
+              <a:rPr lang="en-US" altLang="zh-TW" dirty="0"/>
+              <a:t>Function</a:t>
+            </a:r>
+            <a:endParaRPr lang="zh-TW" altLang="en-US" dirty="0"/>
+          </a:p>
+        </p:txBody>
+      </p:sp>
+      <p:sp>
+        <p:nvSpPr>
+          <p:cNvPr id="3" name="內容版面配置區 2">
+            <a:extLst>
+              <a:ext uri="{FF2B5EF4-FFF2-40B4-BE49-F238E27FC236}">
+                <a16:creationId xmlns:a16="http://schemas.microsoft.com/office/drawing/2014/main" id="{8E259AA4-5016-4725-A8E7-364BA0DE5E69}"/>
+              </a:ext>
+            </a:extLst>
+          </p:cNvPr>
+          <p:cNvSpPr>
+            <a:spLocks noGrp="1"/>
+          </p:cNvSpPr>
+          <p:nvPr>
+            <p:ph idx="1"/>
+          </p:nvPr>
+        </p:nvSpPr>
+        <p:spPr/>
+        <p:txBody>
+          <a:bodyPr/>
           <a:lstStyle/>
           <a:p>
             <a:r>
               <a:rPr lang="en-US" altLang="zh-TW" dirty="0" err="1"/>
-              <a:t>My_Dataset</a:t>
-            </a:r>
-            <a:r>
-              <a:rPr lang="en-US" altLang="zh-TW" dirty="0"/>
-              <a:t>(folder, transform=None)</a:t>
-            </a:r>
-            <a:endParaRPr lang="zh-TW" altLang="en-US" dirty="0"/>
-          </a:p>
-        </p:txBody>
-      </p:sp>
-      <p:sp>
-        <p:nvSpPr>
-          <p:cNvPr id="3" name="內容版面配置區 2">
-            <a:extLst>
-              <a:ext uri="{FF2B5EF4-FFF2-40B4-BE49-F238E27FC236}">
-                <a16:creationId xmlns:a16="http://schemas.microsoft.com/office/drawing/2014/main" id="{59A252EE-DAC4-408A-832B-4C34C7345FBD}"/>
-              </a:ext>
-            </a:extLst>
-          </p:cNvPr>
-          <p:cNvSpPr>
-            <a:spLocks noGrp="1"/>
-          </p:cNvSpPr>
-          <p:nvPr>
-            <p:ph idx="1"/>
-          </p:nvPr>
-        </p:nvSpPr>
-        <p:spPr/>
-        <p:txBody>
-          <a:bodyPr>
-            <a:normAutofit/>
-          </a:bodyPr>
-          <a:lstStyle/>
-          <a:p>
-            <a:r>
-              <a:rPr lang="en-US" altLang="zh-TW" dirty="0"/>
-              <a:t>Folder:</a:t>
-            </a:r>
-            <a:r>
-              <a:rPr lang="zh-TW" altLang="en-US" dirty="0"/>
-              <a:t> </a:t>
-            </a:r>
-            <a:r>
-              <a:rPr lang="en-US" altLang="zh-TW" dirty="0"/>
-              <a:t>the directory of your data</a:t>
-            </a:r>
-          </a:p>
-          <a:p>
-            <a:r>
-              <a:rPr lang="en-US" altLang="zh-TW" dirty="0"/>
-              <a:t>Transform: data preprocess</a:t>
-            </a:r>
-          </a:p>
-          <a:p>
-            <a:r>
-              <a:rPr lang="en-US" altLang="zh-TW" dirty="0"/>
-              <a:t>Description:</a:t>
-            </a:r>
-          </a:p>
-          <a:p>
-            <a:pPr marL="269875" indent="0">
-              <a:buNone/>
-            </a:pPr>
-            <a:r>
-              <a:rPr lang="en-US" altLang="zh-TW" dirty="0"/>
-              <a:t>This will catch recursively all the image files in the Folder</a:t>
-            </a:r>
-            <a:r>
-              <a:rPr lang="zh-TW" altLang="en-US" dirty="0"/>
-              <a:t> </a:t>
-            </a:r>
-            <a:r>
-              <a:rPr lang="en-US" altLang="zh-TW" dirty="0"/>
-              <a:t>even though there are 2 or more difference suffix of image file.</a:t>
-            </a:r>
-          </a:p>
-          <a:p>
-            <a:pPr marL="269875" indent="0">
-              <a:buNone/>
-            </a:pPr>
+              <a:t>class_to_tr_val_test</a:t>
+            </a:r>
             <a:endParaRPr lang="en-US" altLang="zh-TW" dirty="0"/>
           </a:p>
           <a:p>
-            <a:pPr marL="0" indent="0">
-              <a:buNone/>
-            </a:pPr>
             <a:endParaRPr lang="zh-TW" altLang="en-US" dirty="0"/>
           </a:p>
         </p:txBody>
@@ -3700,7 +3649,7 @@
     </p:spTree>
     <p:extLst>
       <p:ext uri="{BB962C8B-B14F-4D97-AF65-F5344CB8AC3E}">
-        <p14:creationId xmlns:p14="http://schemas.microsoft.com/office/powerpoint/2010/main" val="4079430105"/>
+        <p14:creationId xmlns:p14="http://schemas.microsoft.com/office/powerpoint/2010/main" val="1416442108"/>
       </p:ext>
     </p:extLst>
   </p:cSld>
@@ -3732,7 +3681,7 @@
           <p:cNvPr id="2" name="標題 1">
             <a:extLst>
               <a:ext uri="{FF2B5EF4-FFF2-40B4-BE49-F238E27FC236}">
-                <a16:creationId xmlns:a16="http://schemas.microsoft.com/office/drawing/2014/main" id="{8753510B-702E-4AC2-B226-F206F70C1B7D}"/>
+                <a16:creationId xmlns:a16="http://schemas.microsoft.com/office/drawing/2014/main" id="{5AD71D1C-117F-4D2F-AB11-77E1B537EEA3}"/>
               </a:ext>
             </a:extLst>
           </p:cNvPr>
@@ -3752,11 +3701,11 @@
           <a:p>
             <a:r>
               <a:rPr lang="en-US" altLang="zh-TW" dirty="0" err="1"/>
-              <a:t>My_Dataset.equalize</a:t>
+              <a:t>My_Dataset</a:t>
             </a:r>
             <a:r>
               <a:rPr lang="en-US" altLang="zh-TW" dirty="0"/>
-              <a:t>_():</a:t>
+              <a:t>(folder, transform=None)</a:t>
             </a:r>
             <a:endParaRPr lang="zh-TW" altLang="en-US" dirty="0"/>
           </a:p>
@@ -3767,7 +3716,7 @@
           <p:cNvPr id="3" name="內容版面配置區 2">
             <a:extLst>
               <a:ext uri="{FF2B5EF4-FFF2-40B4-BE49-F238E27FC236}">
-                <a16:creationId xmlns:a16="http://schemas.microsoft.com/office/drawing/2014/main" id="{A06EBCB2-0A02-45C8-8F6E-08AA49369996}"/>
+                <a16:creationId xmlns:a16="http://schemas.microsoft.com/office/drawing/2014/main" id="{59A252EE-DAC4-408A-832B-4C34C7345FBD}"/>
               </a:ext>
             </a:extLst>
           </p:cNvPr>
@@ -3780,8 +3729,30 @@
         </p:nvSpPr>
         <p:spPr/>
         <p:txBody>
-          <a:bodyPr/>
-          <a:lstStyle/>
+          <a:bodyPr>
+            <a:normAutofit/>
+          </a:bodyPr>
+          <a:lstStyle/>
+          <a:p>
+            <a:r>
+              <a:rPr lang="en-US" altLang="zh-TW" dirty="0"/>
+              <a:t>Folder:</a:t>
+            </a:r>
+            <a:r>
+              <a:rPr lang="zh-TW" altLang="en-US" dirty="0"/>
+              <a:t> </a:t>
+            </a:r>
+            <a:r>
+              <a:rPr lang="en-US" altLang="zh-TW" dirty="0"/>
+              <a:t>the directory of your data</a:t>
+            </a:r>
+          </a:p>
+          <a:p>
+            <a:r>
+              <a:rPr lang="en-US" altLang="zh-TW" dirty="0"/>
+              <a:t>Transform: data preprocess</a:t>
+            </a:r>
+          </a:p>
           <a:p>
             <a:r>
               <a:rPr lang="en-US" altLang="zh-TW" dirty="0"/>
@@ -3794,24 +3765,35 @@
             </a:pPr>
             <a:r>
               <a:rPr lang="en-US" altLang="zh-TW" dirty="0"/>
-              <a:t>Let the amount of data in every class become the same, this function will shuffle all the data in every class before sampling.</a:t>
+              <a:t>This will catch recursively all the image files in the Folder</a:t>
+            </a:r>
+            <a:r>
+              <a:rPr lang="zh-TW" altLang="en-US" dirty="0"/>
+              <a:t> </a:t>
+            </a:r>
+            <a:r>
+              <a:rPr lang="en-US" altLang="zh-TW" dirty="0"/>
+              <a:t>even though there are 2 or more difference suffix of image file.</a:t>
             </a:r>
           </a:p>
           <a:p>
             <a:pPr marL="269875" indent="0">
               <a:buNone/>
             </a:pPr>
-            <a:r>
-              <a:rPr lang="en-US" altLang="zh-TW" dirty="0"/>
-              <a:t>This is useful if your data in every class is very unbalance.</a:t>
-            </a:r>
+            <a:endParaRPr lang="en-US" altLang="zh-TW" dirty="0"/>
+          </a:p>
+          <a:p>
+            <a:pPr marL="0" indent="0">
+              <a:buNone/>
+            </a:pPr>
+            <a:endParaRPr lang="zh-TW" altLang="en-US" dirty="0"/>
           </a:p>
         </p:txBody>
       </p:sp>
     </p:spTree>
     <p:extLst>
       <p:ext uri="{BB962C8B-B14F-4D97-AF65-F5344CB8AC3E}">
-        <p14:creationId xmlns:p14="http://schemas.microsoft.com/office/powerpoint/2010/main" val="2674111825"/>
+        <p14:creationId xmlns:p14="http://schemas.microsoft.com/office/powerpoint/2010/main" val="4079430105"/>
       </p:ext>
     </p:extLst>
   </p:cSld>
@@ -3863,6 +3845,117 @@
           <a:p>
             <a:r>
               <a:rPr lang="en-US" altLang="zh-TW" dirty="0" err="1"/>
+              <a:t>My_Dataset.equalize</a:t>
+            </a:r>
+            <a:r>
+              <a:rPr lang="en-US" altLang="zh-TW" dirty="0"/>
+              <a:t>_():</a:t>
+            </a:r>
+            <a:endParaRPr lang="zh-TW" altLang="en-US" dirty="0"/>
+          </a:p>
+        </p:txBody>
+      </p:sp>
+      <p:sp>
+        <p:nvSpPr>
+          <p:cNvPr id="3" name="內容版面配置區 2">
+            <a:extLst>
+              <a:ext uri="{FF2B5EF4-FFF2-40B4-BE49-F238E27FC236}">
+                <a16:creationId xmlns:a16="http://schemas.microsoft.com/office/drawing/2014/main" id="{A06EBCB2-0A02-45C8-8F6E-08AA49369996}"/>
+              </a:ext>
+            </a:extLst>
+          </p:cNvPr>
+          <p:cNvSpPr>
+            <a:spLocks noGrp="1"/>
+          </p:cNvSpPr>
+          <p:nvPr>
+            <p:ph idx="1"/>
+          </p:nvPr>
+        </p:nvSpPr>
+        <p:spPr/>
+        <p:txBody>
+          <a:bodyPr/>
+          <a:lstStyle/>
+          <a:p>
+            <a:r>
+              <a:rPr lang="en-US" altLang="zh-TW" dirty="0"/>
+              <a:t>Description:</a:t>
+            </a:r>
+          </a:p>
+          <a:p>
+            <a:pPr marL="269875" indent="0">
+              <a:buNone/>
+            </a:pPr>
+            <a:r>
+              <a:rPr lang="en-US" altLang="zh-TW" dirty="0"/>
+              <a:t>Let the amount of data in every class become the same, this function will shuffle all the data in every class before sampling.</a:t>
+            </a:r>
+          </a:p>
+          <a:p>
+            <a:pPr marL="269875" indent="0">
+              <a:buNone/>
+            </a:pPr>
+            <a:r>
+              <a:rPr lang="en-US" altLang="zh-TW" dirty="0"/>
+              <a:t>This is useful if your data in every class is very unbalance.</a:t>
+            </a:r>
+          </a:p>
+        </p:txBody>
+      </p:sp>
+    </p:spTree>
+    <p:extLst>
+      <p:ext uri="{BB962C8B-B14F-4D97-AF65-F5344CB8AC3E}">
+        <p14:creationId xmlns:p14="http://schemas.microsoft.com/office/powerpoint/2010/main" val="2674111825"/>
+      </p:ext>
+    </p:extLst>
+  </p:cSld>
+  <p:clrMapOvr>
+    <a:masterClrMapping/>
+  </p:clrMapOvr>
+</p:sld>
+</file>
+
+<file path=ppt/slides/slide6.xml><?xml version="1.0" encoding="utf-8"?>
+<p:sld xmlns:a="http://schemas.openxmlformats.org/drawingml/2006/main" xmlns:r="http://schemas.openxmlformats.org/officeDocument/2006/relationships" xmlns:p="http://schemas.openxmlformats.org/presentationml/2006/main">
+  <p:cSld>
+    <p:spTree>
+      <p:nvGrpSpPr>
+        <p:cNvPr id="1" name=""/>
+        <p:cNvGrpSpPr/>
+        <p:nvPr/>
+      </p:nvGrpSpPr>
+      <p:grpSpPr>
+        <a:xfrm>
+          <a:off x="0" y="0"/>
+          <a:ext cx="0" cy="0"/>
+          <a:chOff x="0" y="0"/>
+          <a:chExt cx="0" cy="0"/>
+        </a:xfrm>
+      </p:grpSpPr>
+      <p:sp>
+        <p:nvSpPr>
+          <p:cNvPr id="2" name="標題 1">
+            <a:extLst>
+              <a:ext uri="{FF2B5EF4-FFF2-40B4-BE49-F238E27FC236}">
+                <a16:creationId xmlns:a16="http://schemas.microsoft.com/office/drawing/2014/main" id="{8753510B-702E-4AC2-B226-F206F70C1B7D}"/>
+              </a:ext>
+            </a:extLst>
+          </p:cNvPr>
+          <p:cNvSpPr>
+            <a:spLocks noGrp="1"/>
+          </p:cNvSpPr>
+          <p:nvPr>
+            <p:ph type="title"/>
+          </p:nvPr>
+        </p:nvSpPr>
+        <p:spPr/>
+        <p:txBody>
+          <a:bodyPr>
+            <a:normAutofit/>
+          </a:bodyPr>
+          <a:lstStyle/>
+          <a:p>
+            <a:r>
+              <a:rPr lang="en-US" altLang="zh-TW" dirty="0" err="1"/>
               <a:t>My_Dataset.concat</a:t>
             </a:r>
             <a:r>
@@ -3922,6 +4015,136 @@
     <p:extLst>
       <p:ext uri="{BB962C8B-B14F-4D97-AF65-F5344CB8AC3E}">
         <p14:creationId xmlns:p14="http://schemas.microsoft.com/office/powerpoint/2010/main" val="3218300324"/>
+      </p:ext>
+    </p:extLst>
+  </p:cSld>
+  <p:clrMapOvr>
+    <a:masterClrMapping/>
+  </p:clrMapOvr>
+</p:sld>
+</file>
+
+<file path=ppt/slides/slide7.xml><?xml version="1.0" encoding="utf-8"?>
+<p:sld xmlns:a="http://schemas.openxmlformats.org/drawingml/2006/main" xmlns:r="http://schemas.openxmlformats.org/officeDocument/2006/relationships" xmlns:p="http://schemas.openxmlformats.org/presentationml/2006/main">
+  <p:cSld>
+    <p:spTree>
+      <p:nvGrpSpPr>
+        <p:cNvPr id="1" name=""/>
+        <p:cNvGrpSpPr/>
+        <p:nvPr/>
+      </p:nvGrpSpPr>
+      <p:grpSpPr>
+        <a:xfrm>
+          <a:off x="0" y="0"/>
+          <a:ext cx="0" cy="0"/>
+          <a:chOff x="0" y="0"/>
+          <a:chExt cx="0" cy="0"/>
+        </a:xfrm>
+      </p:grpSpPr>
+      <p:sp>
+        <p:nvSpPr>
+          <p:cNvPr id="2" name="標題 1">
+            <a:extLst>
+              <a:ext uri="{FF2B5EF4-FFF2-40B4-BE49-F238E27FC236}">
+                <a16:creationId xmlns:a16="http://schemas.microsoft.com/office/drawing/2014/main" id="{8753510B-702E-4AC2-B226-F206F70C1B7D}"/>
+              </a:ext>
+            </a:extLst>
+          </p:cNvPr>
+          <p:cNvSpPr>
+            <a:spLocks noGrp="1"/>
+          </p:cNvSpPr>
+          <p:nvPr>
+            <p:ph type="title"/>
+          </p:nvPr>
+        </p:nvSpPr>
+        <p:spPr/>
+        <p:txBody>
+          <a:bodyPr>
+            <a:normAutofit fontScale="90000"/>
+          </a:bodyPr>
+          <a:lstStyle/>
+          <a:p>
+            <a:r>
+              <a:rPr lang="en-US" altLang="zh-TW" dirty="0" err="1"/>
+              <a:t>class_to_tr_val_test</a:t>
+            </a:r>
+            <a:r>
+              <a:rPr lang="en-US" altLang="zh-TW" dirty="0"/>
+              <a:t>(</a:t>
+            </a:r>
+            <a:r>
+              <a:rPr lang="en-US" altLang="zh-TW" dirty="0" err="1"/>
+              <a:t>data_dir</a:t>
+            </a:r>
+            <a:r>
+              <a:rPr lang="en-US" altLang="zh-TW" dirty="0"/>
+              <a:t>, </a:t>
+            </a:r>
+            <a:r>
+              <a:rPr lang="en-US" altLang="zh-TW" dirty="0" err="1"/>
+              <a:t>tr_ratio</a:t>
+            </a:r>
+            <a:r>
+              <a:rPr lang="en-US" altLang="zh-TW" dirty="0"/>
+              <a:t>, </a:t>
+            </a:r>
+            <a:r>
+              <a:rPr lang="en-US" altLang="zh-TW" dirty="0" err="1"/>
+              <a:t>test_ratio</a:t>
+            </a:r>
+            <a:r>
+              <a:rPr lang="en-US" altLang="zh-TW" dirty="0"/>
+              <a:t>, seed=None)</a:t>
+            </a:r>
+          </a:p>
+        </p:txBody>
+      </p:sp>
+      <p:sp>
+        <p:nvSpPr>
+          <p:cNvPr id="3" name="內容版面配置區 2">
+            <a:extLst>
+              <a:ext uri="{FF2B5EF4-FFF2-40B4-BE49-F238E27FC236}">
+                <a16:creationId xmlns:a16="http://schemas.microsoft.com/office/drawing/2014/main" id="{A06EBCB2-0A02-45C8-8F6E-08AA49369996}"/>
+              </a:ext>
+            </a:extLst>
+          </p:cNvPr>
+          <p:cNvSpPr>
+            <a:spLocks noGrp="1"/>
+          </p:cNvSpPr>
+          <p:nvPr>
+            <p:ph idx="1"/>
+          </p:nvPr>
+        </p:nvSpPr>
+        <p:spPr/>
+        <p:txBody>
+          <a:bodyPr/>
+          <a:lstStyle/>
+          <a:p>
+            <a:r>
+              <a:rPr lang="en-US" altLang="zh-TW" dirty="0"/>
+              <a:t>Description:</a:t>
+            </a:r>
+          </a:p>
+          <a:p>
+            <a:pPr marL="269875" indent="0">
+              <a:buNone/>
+            </a:pPr>
+            <a:r>
+              <a:rPr lang="en-US" altLang="zh-TW" dirty="0"/>
+              <a:t>Shuffle and split the directory of data into subsets. (training, validation and testing </a:t>
+            </a:r>
+            <a:r>
+              <a:rPr lang="en-US" altLang="zh-TW"/>
+              <a:t>set)</a:t>
+            </a:r>
+            <a:endParaRPr lang="en-US" altLang="zh-TW" dirty="0"/>
+          </a:p>
+        </p:txBody>
+      </p:sp>
+    </p:spTree>
+    <p:extLst>
+      <p:ext uri="{BB962C8B-B14F-4D97-AF65-F5344CB8AC3E}">
+        <p14:creationId xmlns:p14="http://schemas.microsoft.com/office/powerpoint/2010/main" val="391541805"/>
       </p:ext>
     </p:extLst>
   </p:cSld>
